--- a/doc/図/図原本.pptx
+++ b/doc/図/図原本.pptx
@@ -267,7 +267,7 @@
           <a:p>
             <a:fld id="{F4EEA445-7C2C-4FA7-A73A-E840CB576A00}" type="datetimeFigureOut">
               <a:rPr kumimoji="1" lang="ja-JP" altLang="en-US" smtClean="0"/>
-              <a:t>2020/1/22</a:t>
+              <a:t>2020/2/13</a:t>
             </a:fld>
             <a:endParaRPr kumimoji="1" lang="ja-JP" altLang="en-US"/>
           </a:p>
@@ -497,7 +497,7 @@
           <a:p>
             <a:fld id="{F4EEA445-7C2C-4FA7-A73A-E840CB576A00}" type="datetimeFigureOut">
               <a:rPr kumimoji="1" lang="ja-JP" altLang="en-US" smtClean="0"/>
-              <a:t>2020/1/22</a:t>
+              <a:t>2020/2/13</a:t>
             </a:fld>
             <a:endParaRPr kumimoji="1" lang="ja-JP" altLang="en-US"/>
           </a:p>
@@ -737,7 +737,7 @@
           <a:p>
             <a:fld id="{F4EEA445-7C2C-4FA7-A73A-E840CB576A00}" type="datetimeFigureOut">
               <a:rPr kumimoji="1" lang="ja-JP" altLang="en-US" smtClean="0"/>
-              <a:t>2020/1/22</a:t>
+              <a:t>2020/2/13</a:t>
             </a:fld>
             <a:endParaRPr kumimoji="1" lang="ja-JP" altLang="en-US"/>
           </a:p>
@@ -967,7 +967,7 @@
           <a:p>
             <a:fld id="{F4EEA445-7C2C-4FA7-A73A-E840CB576A00}" type="datetimeFigureOut">
               <a:rPr kumimoji="1" lang="ja-JP" altLang="en-US" smtClean="0"/>
-              <a:t>2020/1/22</a:t>
+              <a:t>2020/2/13</a:t>
             </a:fld>
             <a:endParaRPr kumimoji="1" lang="ja-JP" altLang="en-US"/>
           </a:p>
@@ -1242,7 +1242,7 @@
           <a:p>
             <a:fld id="{F4EEA445-7C2C-4FA7-A73A-E840CB576A00}" type="datetimeFigureOut">
               <a:rPr kumimoji="1" lang="ja-JP" altLang="en-US" smtClean="0"/>
-              <a:t>2020/1/22</a:t>
+              <a:t>2020/2/13</a:t>
             </a:fld>
             <a:endParaRPr kumimoji="1" lang="ja-JP" altLang="en-US"/>
           </a:p>
@@ -1571,7 +1571,7 @@
           <a:p>
             <a:fld id="{F4EEA445-7C2C-4FA7-A73A-E840CB576A00}" type="datetimeFigureOut">
               <a:rPr kumimoji="1" lang="ja-JP" altLang="en-US" smtClean="0"/>
-              <a:t>2020/1/22</a:t>
+              <a:t>2020/2/13</a:t>
             </a:fld>
             <a:endParaRPr kumimoji="1" lang="ja-JP" altLang="en-US"/>
           </a:p>
@@ -2047,7 +2047,7 @@
           <a:p>
             <a:fld id="{F4EEA445-7C2C-4FA7-A73A-E840CB576A00}" type="datetimeFigureOut">
               <a:rPr kumimoji="1" lang="ja-JP" altLang="en-US" smtClean="0"/>
-              <a:t>2020/1/22</a:t>
+              <a:t>2020/2/13</a:t>
             </a:fld>
             <a:endParaRPr kumimoji="1" lang="ja-JP" altLang="en-US"/>
           </a:p>
@@ -2188,7 +2188,7 @@
           <a:p>
             <a:fld id="{F4EEA445-7C2C-4FA7-A73A-E840CB576A00}" type="datetimeFigureOut">
               <a:rPr kumimoji="1" lang="ja-JP" altLang="en-US" smtClean="0"/>
-              <a:t>2020/1/22</a:t>
+              <a:t>2020/2/13</a:t>
             </a:fld>
             <a:endParaRPr kumimoji="1" lang="ja-JP" altLang="en-US"/>
           </a:p>
@@ -2301,7 +2301,7 @@
           <a:p>
             <a:fld id="{F4EEA445-7C2C-4FA7-A73A-E840CB576A00}" type="datetimeFigureOut">
               <a:rPr kumimoji="1" lang="ja-JP" altLang="en-US" smtClean="0"/>
-              <a:t>2020/1/22</a:t>
+              <a:t>2020/2/13</a:t>
             </a:fld>
             <a:endParaRPr kumimoji="1" lang="ja-JP" altLang="en-US"/>
           </a:p>
@@ -2644,7 +2644,7 @@
           <a:p>
             <a:fld id="{F4EEA445-7C2C-4FA7-A73A-E840CB576A00}" type="datetimeFigureOut">
               <a:rPr kumimoji="1" lang="ja-JP" altLang="en-US" smtClean="0"/>
-              <a:t>2020/1/22</a:t>
+              <a:t>2020/2/13</a:t>
             </a:fld>
             <a:endParaRPr kumimoji="1" lang="ja-JP" altLang="en-US"/>
           </a:p>
@@ -2932,7 +2932,7 @@
           <a:p>
             <a:fld id="{F4EEA445-7C2C-4FA7-A73A-E840CB576A00}" type="datetimeFigureOut">
               <a:rPr kumimoji="1" lang="ja-JP" altLang="en-US" smtClean="0"/>
-              <a:t>2020/1/22</a:t>
+              <a:t>2020/2/13</a:t>
             </a:fld>
             <a:endParaRPr kumimoji="1" lang="ja-JP" altLang="en-US"/>
           </a:p>
@@ -3205,7 +3205,7 @@
           <a:p>
             <a:fld id="{F4EEA445-7C2C-4FA7-A73A-E840CB576A00}" type="datetimeFigureOut">
               <a:rPr kumimoji="1" lang="ja-JP" altLang="en-US" smtClean="0"/>
-              <a:t>2020/1/22</a:t>
+              <a:t>2020/2/13</a:t>
             </a:fld>
             <a:endParaRPr kumimoji="1" lang="ja-JP" altLang="en-US"/>
           </a:p>
@@ -19530,10 +19530,10 @@
         </p:nvGrpSpPr>
         <p:grpSpPr>
           <a:xfrm>
-            <a:off x="2702134" y="1762869"/>
-            <a:ext cx="3724692" cy="1729658"/>
-            <a:chOff x="3132163" y="1382505"/>
-            <a:chExt cx="3125359" cy="2756360"/>
+            <a:off x="2702135" y="1977940"/>
+            <a:ext cx="3724691" cy="1299517"/>
+            <a:chOff x="3132164" y="1725239"/>
+            <a:chExt cx="3125358" cy="2070893"/>
           </a:xfrm>
         </p:grpSpPr>
         <p:sp>
@@ -19550,8 +19550,8 @@
           </p:nvSpPr>
           <p:spPr>
             <a:xfrm>
-              <a:off x="3132164" y="1382505"/>
-              <a:ext cx="3125358" cy="2756360"/>
+              <a:off x="3132164" y="1725239"/>
+              <a:ext cx="3125358" cy="2070893"/>
             </a:xfrm>
             <a:prstGeom prst="rect">
               <a:avLst/>
@@ -19589,28 +19589,6 @@
             </a:p>
             <a:p>
               <a:pPr algn="ctr"/>
-              <a:endParaRPr lang="en-US" altLang="ja-JP" sz="1400" dirty="0"/>
-            </a:p>
-            <a:p>
-              <a:r>
-                <a:rPr kumimoji="1" lang="ja-JP" altLang="en-US" sz="1400" dirty="0"/>
-                <a:t>カメラ</a:t>
-              </a:r>
-              <a:r>
-                <a:rPr kumimoji="1" lang="en-US" altLang="ja-JP" sz="1400" dirty="0"/>
-                <a:t>ID</a:t>
-              </a:r>
-              <a:r>
-                <a:rPr lang="ja-JP" altLang="en-US" sz="1400" dirty="0"/>
-                <a:t>のリスト</a:t>
-              </a:r>
-              <a:endParaRPr lang="en-US" altLang="ja-JP" sz="1400" dirty="0"/>
-            </a:p>
-            <a:p>
-              <a:r>
-                <a:rPr lang="ja-JP" altLang="en-US" sz="1400" dirty="0"/>
-                <a:t>監視座席の判定結果</a:t>
-              </a:r>
               <a:endParaRPr lang="en-US" altLang="ja-JP" sz="1400" dirty="0"/>
             </a:p>
             <a:p>
@@ -19670,7 +19648,7 @@
           </p:nvCxnSpPr>
           <p:spPr>
             <a:xfrm>
-              <a:off x="3132164" y="3139814"/>
+              <a:off x="3132164" y="2679805"/>
               <a:ext cx="3125358" cy="0"/>
             </a:xfrm>
             <a:prstGeom prst="line">
@@ -19709,7 +19687,7 @@
           </p:nvCxnSpPr>
           <p:spPr>
             <a:xfrm>
-              <a:off x="3132163" y="2108145"/>
+              <a:off x="3132164" y="2342038"/>
               <a:ext cx="3125358" cy="0"/>
             </a:xfrm>
             <a:prstGeom prst="line">

--- a/doc/図/図原本.pptx
+++ b/doc/図/図原本.pptx
@@ -19038,7 +19038,7 @@
         </p:nvGrpSpPr>
         <p:grpSpPr>
           <a:xfrm>
-            <a:off x="1735211" y="2093893"/>
+            <a:off x="2917714" y="3531449"/>
             <a:ext cx="240632" cy="1005140"/>
             <a:chOff x="1523999" y="1965158"/>
             <a:chExt cx="240632" cy="1005140"/>
@@ -19301,7 +19301,7 @@
         </p:nvSpPr>
         <p:spPr>
           <a:xfrm>
-            <a:off x="1546926" y="3152001"/>
+            <a:off x="2719387" y="4544408"/>
             <a:ext cx="718187" cy="276999"/>
           </a:xfrm>
           <a:prstGeom prst="rect">
@@ -19338,9 +19338,9 @@
         <p:grpSpPr>
           <a:xfrm>
             <a:off x="6989189" y="1923440"/>
-            <a:ext cx="3125358" cy="1347137"/>
+            <a:ext cx="3647452" cy="1347137"/>
             <a:chOff x="6989189" y="1473201"/>
-            <a:chExt cx="3125358" cy="1154496"/>
+            <a:chExt cx="3647452" cy="1154496"/>
           </a:xfrm>
         </p:grpSpPr>
         <p:sp>
@@ -19358,7 +19358,7 @@
           <p:spPr>
             <a:xfrm>
               <a:off x="6989189" y="1473201"/>
-              <a:ext cx="3125358" cy="1154496"/>
+              <a:ext cx="3647452" cy="1154496"/>
             </a:xfrm>
             <a:prstGeom prst="rect">
               <a:avLst/>
@@ -19424,16 +19424,13 @@
               </a:r>
               <a:r>
                 <a:rPr lang="en-US" altLang="ja-JP" sz="1400" dirty="0"/>
-                <a:t>(</a:t>
+                <a:t>():</a:t>
               </a:r>
               <a:r>
                 <a:rPr lang="ja-JP" altLang="en-US" sz="1400" dirty="0"/>
-                <a:t>カメラ</a:t>
+                <a:t>判定結果と監視座席名のリスト</a:t>
               </a:r>
-              <a:r>
-                <a:rPr lang="en-US" altLang="ja-JP" sz="1400" dirty="0"/>
-                <a:t>ID):boolean</a:t>
-              </a:r>
+              <a:endParaRPr lang="en-US" altLang="ja-JP" sz="1400" dirty="0"/>
             </a:p>
           </p:txBody>
         </p:sp>
@@ -19454,7 +19451,7 @@
           <p:spPr>
             <a:xfrm>
               <a:off x="6989189" y="1829646"/>
-              <a:ext cx="3125358" cy="0"/>
+              <a:ext cx="3647452" cy="0"/>
             </a:xfrm>
             <a:prstGeom prst="line">
               <a:avLst/>
@@ -19493,7 +19490,7 @@
           <p:spPr>
             <a:xfrm>
               <a:off x="6989189" y="2269222"/>
-              <a:ext cx="3125358" cy="0"/>
+              <a:ext cx="3647452" cy="0"/>
             </a:xfrm>
             <a:prstGeom prst="line">
               <a:avLst/>
@@ -19530,10 +19527,10 @@
         </p:nvGrpSpPr>
         <p:grpSpPr>
           <a:xfrm>
-            <a:off x="2702135" y="1977940"/>
-            <a:ext cx="3724691" cy="1299517"/>
-            <a:chOff x="3132164" y="1725239"/>
-            <a:chExt cx="3125358" cy="2070893"/>
+            <a:off x="1258025" y="1977940"/>
+            <a:ext cx="5168801" cy="1299517"/>
+            <a:chOff x="3131390" y="1725239"/>
+            <a:chExt cx="3126132" cy="2070893"/>
           </a:xfrm>
         </p:grpSpPr>
         <p:sp>
@@ -19592,30 +19589,20 @@
               <a:endParaRPr lang="en-US" altLang="ja-JP" sz="1400" dirty="0"/>
             </a:p>
             <a:p>
+              <a:pPr algn="ctr"/>
+              <a:r>
+                <a:rPr lang="ja-JP" altLang="en-US" sz="1400" dirty="0"/>
+                <a:t>判定結果と監視座席名のリスト</a:t>
+              </a:r>
+              <a:endParaRPr lang="en-US" altLang="ja-JP" sz="1400" dirty="0"/>
+            </a:p>
+            <a:p>
               <a:endParaRPr lang="en-US" altLang="ja-JP" sz="1400" dirty="0"/>
             </a:p>
             <a:p>
               <a:r>
                 <a:rPr lang="ja-JP" altLang="en-US" sz="1400" dirty="0"/>
-                <a:t>カメラ</a:t>
-              </a:r>
-              <a:r>
-                <a:rPr lang="en-US" altLang="ja-JP" sz="1400" dirty="0"/>
-                <a:t>ID</a:t>
-              </a:r>
-              <a:r>
-                <a:rPr lang="ja-JP" altLang="en-US" sz="1400" dirty="0"/>
-                <a:t>のリスト取得</a:t>
-              </a:r>
-              <a:r>
-                <a:rPr lang="en-US" altLang="ja-JP" sz="1400" dirty="0"/>
-                <a:t>():List</a:t>
-              </a:r>
-            </a:p>
-            <a:p>
-              <a:r>
-                <a:rPr lang="ja-JP" altLang="en-US" sz="1400" dirty="0"/>
-                <a:t>監視座席の判定結果取得</a:t>
+                <a:t>監視座席の判定結果表示</a:t>
               </a:r>
               <a:r>
                 <a:rPr lang="en-US" altLang="ja-JP" sz="1400" dirty="0"/>
@@ -19623,11 +19610,11 @@
               </a:r>
               <a:r>
                 <a:rPr lang="ja-JP" altLang="en-US" sz="1400" dirty="0"/>
-                <a:t>カメラ</a:t>
+                <a:t>判定結果と監視座席名のリスト</a:t>
               </a:r>
               <a:r>
                 <a:rPr lang="en-US" altLang="ja-JP" sz="1400" dirty="0"/>
-                <a:t>ID):boolean</a:t>
+                <a:t>):void</a:t>
               </a:r>
             </a:p>
           </p:txBody>
@@ -19648,7 +19635,7 @@
           </p:nvCxnSpPr>
           <p:spPr>
             <a:xfrm>
-              <a:off x="3132164" y="2679805"/>
+              <a:off x="3131390" y="3118585"/>
               <a:ext cx="3125358" cy="0"/>
             </a:xfrm>
             <a:prstGeom prst="line">
@@ -20351,13 +20338,14 @@
           </p:cNvPr>
           <p:cNvCxnSpPr>
             <a:cxnSpLocks/>
+            <a:endCxn id="10" idx="2"/>
           </p:cNvCxnSpPr>
           <p:nvPr/>
         </p:nvCxnSpPr>
         <p:spPr>
-          <a:xfrm flipH="1">
-            <a:off x="2118059" y="2627698"/>
-            <a:ext cx="584076" cy="0"/>
+          <a:xfrm flipV="1">
+            <a:off x="3339817" y="3277457"/>
+            <a:ext cx="503249" cy="502645"/>
           </a:xfrm>
           <a:prstGeom prst="line">
             <a:avLst/>
@@ -20393,7 +20381,7 @@
         </p:nvSpPr>
         <p:spPr>
           <a:xfrm>
-            <a:off x="2499037" y="2372935"/>
+            <a:off x="3720181" y="3269159"/>
             <a:ext cx="311671" cy="307777"/>
           </a:xfrm>
           <a:prstGeom prst="rect">
@@ -20429,7 +20417,7 @@
         </p:nvSpPr>
         <p:spPr>
           <a:xfrm>
-            <a:off x="2042170" y="2590896"/>
+            <a:off x="3156552" y="3501886"/>
             <a:ext cx="275233" cy="307777"/>
           </a:xfrm>
           <a:prstGeom prst="rect">

--- a/doc/図/図原本.pptx
+++ b/doc/図/図原本.pptx
@@ -267,7 +267,7 @@
           <a:p>
             <a:fld id="{F4EEA445-7C2C-4FA7-A73A-E840CB576A00}" type="datetimeFigureOut">
               <a:rPr kumimoji="1" lang="ja-JP" altLang="en-US" smtClean="0"/>
-              <a:t>2020/2/13</a:t>
+              <a:t>2020/2/14</a:t>
             </a:fld>
             <a:endParaRPr kumimoji="1" lang="ja-JP" altLang="en-US"/>
           </a:p>
@@ -497,7 +497,7 @@
           <a:p>
             <a:fld id="{F4EEA445-7C2C-4FA7-A73A-E840CB576A00}" type="datetimeFigureOut">
               <a:rPr kumimoji="1" lang="ja-JP" altLang="en-US" smtClean="0"/>
-              <a:t>2020/2/13</a:t>
+              <a:t>2020/2/14</a:t>
             </a:fld>
             <a:endParaRPr kumimoji="1" lang="ja-JP" altLang="en-US"/>
           </a:p>
@@ -737,7 +737,7 @@
           <a:p>
             <a:fld id="{F4EEA445-7C2C-4FA7-A73A-E840CB576A00}" type="datetimeFigureOut">
               <a:rPr kumimoji="1" lang="ja-JP" altLang="en-US" smtClean="0"/>
-              <a:t>2020/2/13</a:t>
+              <a:t>2020/2/14</a:t>
             </a:fld>
             <a:endParaRPr kumimoji="1" lang="ja-JP" altLang="en-US"/>
           </a:p>
@@ -967,7 +967,7 @@
           <a:p>
             <a:fld id="{F4EEA445-7C2C-4FA7-A73A-E840CB576A00}" type="datetimeFigureOut">
               <a:rPr kumimoji="1" lang="ja-JP" altLang="en-US" smtClean="0"/>
-              <a:t>2020/2/13</a:t>
+              <a:t>2020/2/14</a:t>
             </a:fld>
             <a:endParaRPr kumimoji="1" lang="ja-JP" altLang="en-US"/>
           </a:p>
@@ -1242,7 +1242,7 @@
           <a:p>
             <a:fld id="{F4EEA445-7C2C-4FA7-A73A-E840CB576A00}" type="datetimeFigureOut">
               <a:rPr kumimoji="1" lang="ja-JP" altLang="en-US" smtClean="0"/>
-              <a:t>2020/2/13</a:t>
+              <a:t>2020/2/14</a:t>
             </a:fld>
             <a:endParaRPr kumimoji="1" lang="ja-JP" altLang="en-US"/>
           </a:p>
@@ -1571,7 +1571,7 @@
           <a:p>
             <a:fld id="{F4EEA445-7C2C-4FA7-A73A-E840CB576A00}" type="datetimeFigureOut">
               <a:rPr kumimoji="1" lang="ja-JP" altLang="en-US" smtClean="0"/>
-              <a:t>2020/2/13</a:t>
+              <a:t>2020/2/14</a:t>
             </a:fld>
             <a:endParaRPr kumimoji="1" lang="ja-JP" altLang="en-US"/>
           </a:p>
@@ -2047,7 +2047,7 @@
           <a:p>
             <a:fld id="{F4EEA445-7C2C-4FA7-A73A-E840CB576A00}" type="datetimeFigureOut">
               <a:rPr kumimoji="1" lang="ja-JP" altLang="en-US" smtClean="0"/>
-              <a:t>2020/2/13</a:t>
+              <a:t>2020/2/14</a:t>
             </a:fld>
             <a:endParaRPr kumimoji="1" lang="ja-JP" altLang="en-US"/>
           </a:p>
@@ -2188,7 +2188,7 @@
           <a:p>
             <a:fld id="{F4EEA445-7C2C-4FA7-A73A-E840CB576A00}" type="datetimeFigureOut">
               <a:rPr kumimoji="1" lang="ja-JP" altLang="en-US" smtClean="0"/>
-              <a:t>2020/2/13</a:t>
+              <a:t>2020/2/14</a:t>
             </a:fld>
             <a:endParaRPr kumimoji="1" lang="ja-JP" altLang="en-US"/>
           </a:p>
@@ -2301,7 +2301,7 @@
           <a:p>
             <a:fld id="{F4EEA445-7C2C-4FA7-A73A-E840CB576A00}" type="datetimeFigureOut">
               <a:rPr kumimoji="1" lang="ja-JP" altLang="en-US" smtClean="0"/>
-              <a:t>2020/2/13</a:t>
+              <a:t>2020/2/14</a:t>
             </a:fld>
             <a:endParaRPr kumimoji="1" lang="ja-JP" altLang="en-US"/>
           </a:p>
@@ -2644,7 +2644,7 @@
           <a:p>
             <a:fld id="{F4EEA445-7C2C-4FA7-A73A-E840CB576A00}" type="datetimeFigureOut">
               <a:rPr kumimoji="1" lang="ja-JP" altLang="en-US" smtClean="0"/>
-              <a:t>2020/2/13</a:t>
+              <a:t>2020/2/14</a:t>
             </a:fld>
             <a:endParaRPr kumimoji="1" lang="ja-JP" altLang="en-US"/>
           </a:p>
@@ -2932,7 +2932,7 @@
           <a:p>
             <a:fld id="{F4EEA445-7C2C-4FA7-A73A-E840CB576A00}" type="datetimeFigureOut">
               <a:rPr kumimoji="1" lang="ja-JP" altLang="en-US" smtClean="0"/>
-              <a:t>2020/2/13</a:t>
+              <a:t>2020/2/14</a:t>
             </a:fld>
             <a:endParaRPr kumimoji="1" lang="ja-JP" altLang="en-US"/>
           </a:p>
@@ -3205,7 +3205,7 @@
           <a:p>
             <a:fld id="{F4EEA445-7C2C-4FA7-A73A-E840CB576A00}" type="datetimeFigureOut">
               <a:rPr kumimoji="1" lang="ja-JP" altLang="en-US" smtClean="0"/>
-              <a:t>2020/2/13</a:t>
+              <a:t>2020/2/14</a:t>
             </a:fld>
             <a:endParaRPr kumimoji="1" lang="ja-JP" altLang="en-US"/>
           </a:p>
@@ -21086,6 +21086,223 @@
           </a:prstGeom>
         </p:spPr>
       </p:pic>
+      <p:pic>
+        <p:nvPicPr>
+          <p:cNvPr id="10" name="図 9" descr="挿絵 が含まれている画像&#10;&#10;自動的に生成された説明">
+            <a:extLst>
+              <a:ext uri="{FF2B5EF4-FFF2-40B4-BE49-F238E27FC236}">
+                <a16:creationId xmlns:a16="http://schemas.microsoft.com/office/drawing/2014/main" id="{92005A21-C05F-412B-BE63-9E459B5EE398}"/>
+              </a:ext>
+            </a:extLst>
+          </p:cNvPr>
+          <p:cNvPicPr>
+            <a:picLocks noChangeAspect="1"/>
+          </p:cNvPicPr>
+          <p:nvPr/>
+        </p:nvPicPr>
+        <p:blipFill rotWithShape="1">
+          <a:blip r:embed="rId8">
+            <a:extLst>
+              <a:ext uri="{28A0092B-C50C-407E-A947-70E740481C1C}">
+                <a14:useLocalDpi xmlns:a14="http://schemas.microsoft.com/office/drawing/2010/main" val="0"/>
+              </a:ext>
+            </a:extLst>
+          </a:blip>
+          <a:srcRect l="7738"/>
+          <a:stretch/>
+        </p:blipFill>
+        <p:spPr>
+          <a:xfrm>
+            <a:off x="1291390" y="551049"/>
+            <a:ext cx="3480503" cy="1152686"/>
+          </a:xfrm>
+          <a:prstGeom prst="rect">
+            <a:avLst/>
+          </a:prstGeom>
+        </p:spPr>
+      </p:pic>
+      <p:pic>
+        <p:nvPicPr>
+          <p:cNvPr id="18" name="図 17" descr="スクリーンショット が含まれている画像&#10;&#10;自動的に生成された説明">
+            <a:extLst>
+              <a:ext uri="{FF2B5EF4-FFF2-40B4-BE49-F238E27FC236}">
+                <a16:creationId xmlns:a16="http://schemas.microsoft.com/office/drawing/2014/main" id="{8AB5A18F-0D9F-4D3D-A03E-4202F26A2E77}"/>
+              </a:ext>
+            </a:extLst>
+          </p:cNvPr>
+          <p:cNvPicPr>
+            <a:picLocks noChangeAspect="1"/>
+          </p:cNvPicPr>
+          <p:nvPr/>
+        </p:nvPicPr>
+        <p:blipFill rotWithShape="1">
+          <a:blip r:embed="rId9">
+            <a:extLst>
+              <a:ext uri="{28A0092B-C50C-407E-A947-70E740481C1C}">
+                <a14:useLocalDpi xmlns:a14="http://schemas.microsoft.com/office/drawing/2010/main" val="0"/>
+              </a:ext>
+            </a:extLst>
+          </a:blip>
+          <a:srcRect l="7971"/>
+          <a:stretch/>
+        </p:blipFill>
+        <p:spPr>
+          <a:xfrm>
+            <a:off x="495030" y="2586969"/>
+            <a:ext cx="3480503" cy="2876951"/>
+          </a:xfrm>
+          <a:prstGeom prst="rect">
+            <a:avLst/>
+          </a:prstGeom>
+        </p:spPr>
+      </p:pic>
+      <p:sp>
+        <p:nvSpPr>
+          <p:cNvPr id="28" name="テキスト ボックス 27">
+            <a:extLst>
+              <a:ext uri="{FF2B5EF4-FFF2-40B4-BE49-F238E27FC236}">
+                <a16:creationId xmlns:a16="http://schemas.microsoft.com/office/drawing/2014/main" id="{C7531153-FE4D-4066-B570-624ABB8A37EA}"/>
+              </a:ext>
+            </a:extLst>
+          </p:cNvPr>
+          <p:cNvSpPr txBox="1"/>
+          <p:nvPr/>
+        </p:nvSpPr>
+        <p:spPr>
+          <a:xfrm>
+            <a:off x="1646130" y="2697855"/>
+            <a:ext cx="418455" cy="369332"/>
+          </a:xfrm>
+          <a:prstGeom prst="rect">
+            <a:avLst/>
+          </a:prstGeom>
+          <a:solidFill>
+            <a:srgbClr val="F8F8F8"/>
+          </a:solidFill>
+        </p:spPr>
+        <p:txBody>
+          <a:bodyPr wrap="square" rtlCol="0">
+            <a:spAutoFit/>
+          </a:bodyPr>
+          <a:lstStyle/>
+          <a:p>
+            <a:r>
+              <a:rPr kumimoji="1" lang="ja-JP" altLang="en-US" dirty="0"/>
+              <a:t>①</a:t>
+            </a:r>
+          </a:p>
+        </p:txBody>
+      </p:sp>
+      <p:sp>
+        <p:nvSpPr>
+          <p:cNvPr id="30" name="テキスト ボックス 29">
+            <a:extLst>
+              <a:ext uri="{FF2B5EF4-FFF2-40B4-BE49-F238E27FC236}">
+                <a16:creationId xmlns:a16="http://schemas.microsoft.com/office/drawing/2014/main" id="{5749982D-B829-4746-9F12-089E7A9F3108}"/>
+              </a:ext>
+            </a:extLst>
+          </p:cNvPr>
+          <p:cNvSpPr txBox="1"/>
+          <p:nvPr/>
+        </p:nvSpPr>
+        <p:spPr>
+          <a:xfrm>
+            <a:off x="676407" y="3689688"/>
+            <a:ext cx="365829" cy="335756"/>
+          </a:xfrm>
+          <a:prstGeom prst="rect">
+            <a:avLst/>
+          </a:prstGeom>
+          <a:solidFill>
+            <a:srgbClr val="F8F8F8"/>
+          </a:solidFill>
+        </p:spPr>
+        <p:txBody>
+          <a:bodyPr wrap="square" rtlCol="0">
+            <a:spAutoFit/>
+          </a:bodyPr>
+          <a:lstStyle/>
+          <a:p>
+            <a:r>
+              <a:rPr lang="ja-JP" altLang="en-US" dirty="0"/>
+              <a:t>②</a:t>
+            </a:r>
+            <a:endParaRPr kumimoji="1" lang="ja-JP" altLang="en-US" dirty="0"/>
+          </a:p>
+        </p:txBody>
+      </p:sp>
+      <p:sp>
+        <p:nvSpPr>
+          <p:cNvPr id="33" name="テキスト ボックス 32">
+            <a:extLst>
+              <a:ext uri="{FF2B5EF4-FFF2-40B4-BE49-F238E27FC236}">
+                <a16:creationId xmlns:a16="http://schemas.microsoft.com/office/drawing/2014/main" id="{04BA07E0-78BC-4E92-8F76-389CF48663AC}"/>
+              </a:ext>
+            </a:extLst>
+          </p:cNvPr>
+          <p:cNvSpPr txBox="1"/>
+          <p:nvPr/>
+        </p:nvSpPr>
+        <p:spPr>
+          <a:xfrm>
+            <a:off x="1855357" y="3429000"/>
+            <a:ext cx="365829" cy="369332"/>
+          </a:xfrm>
+          <a:prstGeom prst="rect">
+            <a:avLst/>
+          </a:prstGeom>
+          <a:solidFill>
+            <a:srgbClr val="F8F8F8"/>
+          </a:solidFill>
+        </p:spPr>
+        <p:txBody>
+          <a:bodyPr wrap="square" rtlCol="0">
+            <a:spAutoFit/>
+          </a:bodyPr>
+          <a:lstStyle/>
+          <a:p>
+            <a:r>
+              <a:rPr kumimoji="1" lang="ja-JP" altLang="en-US" dirty="0"/>
+              <a:t>③</a:t>
+            </a:r>
+          </a:p>
+        </p:txBody>
+      </p:sp>
+      <p:sp>
+        <p:nvSpPr>
+          <p:cNvPr id="19" name="テキスト ボックス 18">
+            <a:extLst>
+              <a:ext uri="{FF2B5EF4-FFF2-40B4-BE49-F238E27FC236}">
+                <a16:creationId xmlns:a16="http://schemas.microsoft.com/office/drawing/2014/main" id="{583B7716-E172-4328-9BB8-8AA982A7D51B}"/>
+              </a:ext>
+            </a:extLst>
+          </p:cNvPr>
+          <p:cNvSpPr txBox="1"/>
+          <p:nvPr/>
+        </p:nvSpPr>
+        <p:spPr>
+          <a:xfrm>
+            <a:off x="3745509" y="654125"/>
+            <a:ext cx="418455" cy="646331"/>
+          </a:xfrm>
+          <a:prstGeom prst="rect">
+            <a:avLst/>
+          </a:prstGeom>
+          <a:noFill/>
+        </p:spPr>
+        <p:txBody>
+          <a:bodyPr wrap="square" rtlCol="0">
+            <a:spAutoFit/>
+          </a:bodyPr>
+          <a:lstStyle/>
+          <a:p>
+            <a:endParaRPr lang="en-US" altLang="ja-JP" dirty="0"/>
+          </a:p>
+          <a:p>
+            <a:endParaRPr kumimoji="1" lang="ja-JP" altLang="en-US" dirty="0"/>
+          </a:p>
+        </p:txBody>
+      </p:sp>
     </p:spTree>
     <p:extLst>
       <p:ext uri="{BB962C8B-B14F-4D97-AF65-F5344CB8AC3E}">

--- a/doc/図/図原本.pptx
+++ b/doc/図/図原本.pptx
@@ -267,7 +267,7 @@
           <a:p>
             <a:fld id="{F4EEA445-7C2C-4FA7-A73A-E840CB576A00}" type="datetimeFigureOut">
               <a:rPr kumimoji="1" lang="ja-JP" altLang="en-US" smtClean="0"/>
-              <a:t>2020/2/14</a:t>
+              <a:t>2020/2/17</a:t>
             </a:fld>
             <a:endParaRPr kumimoji="1" lang="ja-JP" altLang="en-US"/>
           </a:p>
@@ -497,7 +497,7 @@
           <a:p>
             <a:fld id="{F4EEA445-7C2C-4FA7-A73A-E840CB576A00}" type="datetimeFigureOut">
               <a:rPr kumimoji="1" lang="ja-JP" altLang="en-US" smtClean="0"/>
-              <a:t>2020/2/14</a:t>
+              <a:t>2020/2/17</a:t>
             </a:fld>
             <a:endParaRPr kumimoji="1" lang="ja-JP" altLang="en-US"/>
           </a:p>
@@ -737,7 +737,7 @@
           <a:p>
             <a:fld id="{F4EEA445-7C2C-4FA7-A73A-E840CB576A00}" type="datetimeFigureOut">
               <a:rPr kumimoji="1" lang="ja-JP" altLang="en-US" smtClean="0"/>
-              <a:t>2020/2/14</a:t>
+              <a:t>2020/2/17</a:t>
             </a:fld>
             <a:endParaRPr kumimoji="1" lang="ja-JP" altLang="en-US"/>
           </a:p>
@@ -967,7 +967,7 @@
           <a:p>
             <a:fld id="{F4EEA445-7C2C-4FA7-A73A-E840CB576A00}" type="datetimeFigureOut">
               <a:rPr kumimoji="1" lang="ja-JP" altLang="en-US" smtClean="0"/>
-              <a:t>2020/2/14</a:t>
+              <a:t>2020/2/17</a:t>
             </a:fld>
             <a:endParaRPr kumimoji="1" lang="ja-JP" altLang="en-US"/>
           </a:p>
@@ -1242,7 +1242,7 @@
           <a:p>
             <a:fld id="{F4EEA445-7C2C-4FA7-A73A-E840CB576A00}" type="datetimeFigureOut">
               <a:rPr kumimoji="1" lang="ja-JP" altLang="en-US" smtClean="0"/>
-              <a:t>2020/2/14</a:t>
+              <a:t>2020/2/17</a:t>
             </a:fld>
             <a:endParaRPr kumimoji="1" lang="ja-JP" altLang="en-US"/>
           </a:p>
@@ -1571,7 +1571,7 @@
           <a:p>
             <a:fld id="{F4EEA445-7C2C-4FA7-A73A-E840CB576A00}" type="datetimeFigureOut">
               <a:rPr kumimoji="1" lang="ja-JP" altLang="en-US" smtClean="0"/>
-              <a:t>2020/2/14</a:t>
+              <a:t>2020/2/17</a:t>
             </a:fld>
             <a:endParaRPr kumimoji="1" lang="ja-JP" altLang="en-US"/>
           </a:p>
@@ -2047,7 +2047,7 @@
           <a:p>
             <a:fld id="{F4EEA445-7C2C-4FA7-A73A-E840CB576A00}" type="datetimeFigureOut">
               <a:rPr kumimoji="1" lang="ja-JP" altLang="en-US" smtClean="0"/>
-              <a:t>2020/2/14</a:t>
+              <a:t>2020/2/17</a:t>
             </a:fld>
             <a:endParaRPr kumimoji="1" lang="ja-JP" altLang="en-US"/>
           </a:p>
@@ -2188,7 +2188,7 @@
           <a:p>
             <a:fld id="{F4EEA445-7C2C-4FA7-A73A-E840CB576A00}" type="datetimeFigureOut">
               <a:rPr kumimoji="1" lang="ja-JP" altLang="en-US" smtClean="0"/>
-              <a:t>2020/2/14</a:t>
+              <a:t>2020/2/17</a:t>
             </a:fld>
             <a:endParaRPr kumimoji="1" lang="ja-JP" altLang="en-US"/>
           </a:p>
@@ -2301,7 +2301,7 @@
           <a:p>
             <a:fld id="{F4EEA445-7C2C-4FA7-A73A-E840CB576A00}" type="datetimeFigureOut">
               <a:rPr kumimoji="1" lang="ja-JP" altLang="en-US" smtClean="0"/>
-              <a:t>2020/2/14</a:t>
+              <a:t>2020/2/17</a:t>
             </a:fld>
             <a:endParaRPr kumimoji="1" lang="ja-JP" altLang="en-US"/>
           </a:p>
@@ -2644,7 +2644,7 @@
           <a:p>
             <a:fld id="{F4EEA445-7C2C-4FA7-A73A-E840CB576A00}" type="datetimeFigureOut">
               <a:rPr kumimoji="1" lang="ja-JP" altLang="en-US" smtClean="0"/>
-              <a:t>2020/2/14</a:t>
+              <a:t>2020/2/17</a:t>
             </a:fld>
             <a:endParaRPr kumimoji="1" lang="ja-JP" altLang="en-US"/>
           </a:p>
@@ -2932,7 +2932,7 @@
           <a:p>
             <a:fld id="{F4EEA445-7C2C-4FA7-A73A-E840CB576A00}" type="datetimeFigureOut">
               <a:rPr kumimoji="1" lang="ja-JP" altLang="en-US" smtClean="0"/>
-              <a:t>2020/2/14</a:t>
+              <a:t>2020/2/17</a:t>
             </a:fld>
             <a:endParaRPr kumimoji="1" lang="ja-JP" altLang="en-US"/>
           </a:p>
@@ -3205,7 +3205,7 @@
           <a:p>
             <a:fld id="{F4EEA445-7C2C-4FA7-A73A-E840CB576A00}" type="datetimeFigureOut">
               <a:rPr kumimoji="1" lang="ja-JP" altLang="en-US" smtClean="0"/>
-              <a:t>2020/2/14</a:t>
+              <a:t>2020/2/17</a:t>
             </a:fld>
             <a:endParaRPr kumimoji="1" lang="ja-JP" altLang="en-US"/>
           </a:p>
@@ -21113,7 +21113,7 @@
         </p:blipFill>
         <p:spPr>
           <a:xfrm>
-            <a:off x="1291390" y="551049"/>
+            <a:off x="474231" y="3959434"/>
             <a:ext cx="3480503" cy="1152686"/>
           </a:xfrm>
           <a:prstGeom prst="rect">
@@ -21121,64 +21121,27 @@
           </a:prstGeom>
         </p:spPr>
       </p:pic>
-      <p:pic>
-        <p:nvPicPr>
-          <p:cNvPr id="18" name="図 17" descr="スクリーンショット が含まれている画像&#10;&#10;自動的に生成された説明">
-            <a:extLst>
-              <a:ext uri="{FF2B5EF4-FFF2-40B4-BE49-F238E27FC236}">
-                <a16:creationId xmlns:a16="http://schemas.microsoft.com/office/drawing/2014/main" id="{8AB5A18F-0D9F-4D3D-A03E-4202F26A2E77}"/>
-              </a:ext>
-            </a:extLst>
-          </p:cNvPr>
-          <p:cNvPicPr>
-            <a:picLocks noChangeAspect="1"/>
-          </p:cNvPicPr>
-          <p:nvPr/>
-        </p:nvPicPr>
-        <p:blipFill rotWithShape="1">
-          <a:blip r:embed="rId9">
-            <a:extLst>
-              <a:ext uri="{28A0092B-C50C-407E-A947-70E740481C1C}">
-                <a14:useLocalDpi xmlns:a14="http://schemas.microsoft.com/office/drawing/2010/main" val="0"/>
-              </a:ext>
-            </a:extLst>
-          </a:blip>
-          <a:srcRect l="7971"/>
-          <a:stretch/>
-        </p:blipFill>
-        <p:spPr>
-          <a:xfrm>
-            <a:off x="495030" y="2586969"/>
-            <a:ext cx="3480503" cy="2876951"/>
+      <p:sp>
+        <p:nvSpPr>
+          <p:cNvPr id="19" name="テキスト ボックス 18">
+            <a:extLst>
+              <a:ext uri="{FF2B5EF4-FFF2-40B4-BE49-F238E27FC236}">
+                <a16:creationId xmlns:a16="http://schemas.microsoft.com/office/drawing/2014/main" id="{583B7716-E172-4328-9BB8-8AA982A7D51B}"/>
+              </a:ext>
+            </a:extLst>
+          </p:cNvPr>
+          <p:cNvSpPr txBox="1"/>
+          <p:nvPr/>
+        </p:nvSpPr>
+        <p:spPr>
+          <a:xfrm>
+            <a:off x="3745509" y="654125"/>
+            <a:ext cx="418455" cy="646331"/>
           </a:xfrm>
           <a:prstGeom prst="rect">
             <a:avLst/>
           </a:prstGeom>
-        </p:spPr>
-      </p:pic>
-      <p:sp>
-        <p:nvSpPr>
-          <p:cNvPr id="28" name="テキスト ボックス 27">
-            <a:extLst>
-              <a:ext uri="{FF2B5EF4-FFF2-40B4-BE49-F238E27FC236}">
-                <a16:creationId xmlns:a16="http://schemas.microsoft.com/office/drawing/2014/main" id="{C7531153-FE4D-4066-B570-624ABB8A37EA}"/>
-              </a:ext>
-            </a:extLst>
-          </p:cNvPr>
-          <p:cNvSpPr txBox="1"/>
-          <p:nvPr/>
-        </p:nvSpPr>
-        <p:spPr>
-          <a:xfrm>
-            <a:off x="1646130" y="2697855"/>
-            <a:ext cx="418455" cy="369332"/>
-          </a:xfrm>
-          <a:prstGeom prst="rect">
-            <a:avLst/>
-          </a:prstGeom>
-          <a:solidFill>
-            <a:srgbClr val="F8F8F8"/>
-          </a:solidFill>
+          <a:noFill/>
         </p:spPr>
         <p:txBody>
           <a:bodyPr wrap="square" rtlCol="0">
@@ -21186,123 +21149,119 @@
           </a:bodyPr>
           <a:lstStyle/>
           <a:p>
-            <a:r>
-              <a:rPr kumimoji="1" lang="ja-JP" altLang="en-US" dirty="0"/>
-              <a:t>①</a:t>
-            </a:r>
-          </a:p>
-        </p:txBody>
-      </p:sp>
-      <p:sp>
-        <p:nvSpPr>
-          <p:cNvPr id="30" name="テキスト ボックス 29">
-            <a:extLst>
-              <a:ext uri="{FF2B5EF4-FFF2-40B4-BE49-F238E27FC236}">
-                <a16:creationId xmlns:a16="http://schemas.microsoft.com/office/drawing/2014/main" id="{5749982D-B829-4746-9F12-089E7A9F3108}"/>
-              </a:ext>
-            </a:extLst>
-          </p:cNvPr>
-          <p:cNvSpPr txBox="1"/>
-          <p:nvPr/>
-        </p:nvSpPr>
-        <p:spPr>
-          <a:xfrm>
-            <a:off x="676407" y="3689688"/>
-            <a:ext cx="365829" cy="335756"/>
+            <a:endParaRPr lang="en-US" altLang="ja-JP" dirty="0"/>
+          </a:p>
+          <a:p>
+            <a:endParaRPr kumimoji="1" lang="ja-JP" altLang="en-US" dirty="0"/>
+          </a:p>
+        </p:txBody>
+      </p:sp>
+      <p:pic>
+        <p:nvPicPr>
+          <p:cNvPr id="3" name="図 2" descr="黒い背景と白い文字&#10;&#10;自動的に生成された説明">
+            <a:extLst>
+              <a:ext uri="{FF2B5EF4-FFF2-40B4-BE49-F238E27FC236}">
+                <a16:creationId xmlns:a16="http://schemas.microsoft.com/office/drawing/2014/main" id="{06613AE7-CA1F-468E-B216-89740F3CDCF8}"/>
+              </a:ext>
+            </a:extLst>
+          </p:cNvPr>
+          <p:cNvPicPr>
+            <a:picLocks noChangeAspect="1"/>
+          </p:cNvPicPr>
+          <p:nvPr/>
+        </p:nvPicPr>
+        <p:blipFill rotWithShape="1">
+          <a:blip r:embed="rId9">
+            <a:extLst>
+              <a:ext uri="{28A0092B-C50C-407E-A947-70E740481C1C}">
+                <a14:useLocalDpi xmlns:a14="http://schemas.microsoft.com/office/drawing/2010/main" val="0"/>
+              </a:ext>
+            </a:extLst>
+          </a:blip>
+          <a:srcRect l="8229" t="1" r="1112" b="3097"/>
+          <a:stretch/>
+        </p:blipFill>
+        <p:spPr>
+          <a:xfrm>
+            <a:off x="474233" y="409568"/>
+            <a:ext cx="3480503" cy="1135444"/>
           </a:xfrm>
           <a:prstGeom prst="rect">
             <a:avLst/>
           </a:prstGeom>
-          <a:solidFill>
-            <a:srgbClr val="F8F8F8"/>
-          </a:solidFill>
-        </p:spPr>
-        <p:txBody>
-          <a:bodyPr wrap="square" rtlCol="0">
-            <a:spAutoFit/>
-          </a:bodyPr>
-          <a:lstStyle/>
-          <a:p>
-            <a:r>
-              <a:rPr lang="ja-JP" altLang="en-US" dirty="0"/>
-              <a:t>②</a:t>
-            </a:r>
-            <a:endParaRPr kumimoji="1" lang="ja-JP" altLang="en-US" dirty="0"/>
-          </a:p>
-        </p:txBody>
-      </p:sp>
-      <p:sp>
-        <p:nvSpPr>
-          <p:cNvPr id="33" name="テキスト ボックス 32">
-            <a:extLst>
-              <a:ext uri="{FF2B5EF4-FFF2-40B4-BE49-F238E27FC236}">
-                <a16:creationId xmlns:a16="http://schemas.microsoft.com/office/drawing/2014/main" id="{04BA07E0-78BC-4E92-8F76-389CF48663AC}"/>
-              </a:ext>
-            </a:extLst>
-          </p:cNvPr>
-          <p:cNvSpPr txBox="1"/>
-          <p:nvPr/>
-        </p:nvSpPr>
-        <p:spPr>
-          <a:xfrm>
-            <a:off x="1855357" y="3429000"/>
-            <a:ext cx="365829" cy="369332"/>
+        </p:spPr>
+      </p:pic>
+      <p:pic>
+        <p:nvPicPr>
+          <p:cNvPr id="11" name="図 10" descr="挿絵 が含まれている画像&#10;&#10;自動的に生成された説明">
+            <a:extLst>
+              <a:ext uri="{FF2B5EF4-FFF2-40B4-BE49-F238E27FC236}">
+                <a16:creationId xmlns:a16="http://schemas.microsoft.com/office/drawing/2014/main" id="{BCC61A7D-D074-4904-9CEF-B41B8FE1ECB5}"/>
+              </a:ext>
+            </a:extLst>
+          </p:cNvPr>
+          <p:cNvPicPr>
+            <a:picLocks noChangeAspect="1"/>
+          </p:cNvPicPr>
+          <p:nvPr/>
+        </p:nvPicPr>
+        <p:blipFill rotWithShape="1">
+          <a:blip r:embed="rId10">
+            <a:extLst>
+              <a:ext uri="{28A0092B-C50C-407E-A947-70E740481C1C}">
+                <a14:useLocalDpi xmlns:a14="http://schemas.microsoft.com/office/drawing/2010/main" val="0"/>
+              </a:ext>
+            </a:extLst>
+          </a:blip>
+          <a:srcRect l="7793" r="1322"/>
+          <a:stretch/>
+        </p:blipFill>
+        <p:spPr>
+          <a:xfrm>
+            <a:off x="474232" y="1629172"/>
+            <a:ext cx="3480503" cy="1162212"/>
           </a:xfrm>
           <a:prstGeom prst="rect">
             <a:avLst/>
           </a:prstGeom>
-          <a:solidFill>
-            <a:srgbClr val="F8F8F8"/>
-          </a:solidFill>
-        </p:spPr>
-        <p:txBody>
-          <a:bodyPr wrap="square" rtlCol="0">
-            <a:spAutoFit/>
-          </a:bodyPr>
-          <a:lstStyle/>
-          <a:p>
-            <a:r>
-              <a:rPr kumimoji="1" lang="ja-JP" altLang="en-US" dirty="0"/>
-              <a:t>③</a:t>
-            </a:r>
-          </a:p>
-        </p:txBody>
-      </p:sp>
-      <p:sp>
-        <p:nvSpPr>
-          <p:cNvPr id="19" name="テキスト ボックス 18">
-            <a:extLst>
-              <a:ext uri="{FF2B5EF4-FFF2-40B4-BE49-F238E27FC236}">
-                <a16:creationId xmlns:a16="http://schemas.microsoft.com/office/drawing/2014/main" id="{583B7716-E172-4328-9BB8-8AA982A7D51B}"/>
-              </a:ext>
-            </a:extLst>
-          </p:cNvPr>
-          <p:cNvSpPr txBox="1"/>
-          <p:nvPr/>
-        </p:nvSpPr>
-        <p:spPr>
-          <a:xfrm>
-            <a:off x="3745509" y="654125"/>
-            <a:ext cx="418455" cy="646331"/>
+        </p:spPr>
+      </p:pic>
+      <p:pic>
+        <p:nvPicPr>
+          <p:cNvPr id="13" name="図 12">
+            <a:extLst>
+              <a:ext uri="{FF2B5EF4-FFF2-40B4-BE49-F238E27FC236}">
+                <a16:creationId xmlns:a16="http://schemas.microsoft.com/office/drawing/2014/main" id="{F578F222-1019-4727-99C6-8C6B85A91974}"/>
+              </a:ext>
+            </a:extLst>
+          </p:cNvPr>
+          <p:cNvPicPr>
+            <a:picLocks noChangeAspect="1"/>
+          </p:cNvPicPr>
+          <p:nvPr/>
+        </p:nvPicPr>
+        <p:blipFill>
+          <a:blip r:embed="rId11">
+            <a:extLst>
+              <a:ext uri="{28A0092B-C50C-407E-A947-70E740481C1C}">
+                <a14:useLocalDpi xmlns:a14="http://schemas.microsoft.com/office/drawing/2010/main" val="0"/>
+              </a:ext>
+            </a:extLst>
+          </a:blip>
+          <a:stretch>
+            <a:fillRect/>
+          </a:stretch>
+        </p:blipFill>
+        <p:spPr>
+          <a:xfrm>
+            <a:off x="5176709" y="2952683"/>
+            <a:ext cx="1838582" cy="952633"/>
           </a:xfrm>
           <a:prstGeom prst="rect">
             <a:avLst/>
           </a:prstGeom>
-          <a:noFill/>
-        </p:spPr>
-        <p:txBody>
-          <a:bodyPr wrap="square" rtlCol="0">
-            <a:spAutoFit/>
-          </a:bodyPr>
-          <a:lstStyle/>
-          <a:p>
-            <a:endParaRPr lang="en-US" altLang="ja-JP" dirty="0"/>
-          </a:p>
-          <a:p>
-            <a:endParaRPr kumimoji="1" lang="ja-JP" altLang="en-US" dirty="0"/>
-          </a:p>
-        </p:txBody>
-      </p:sp>
+        </p:spPr>
+      </p:pic>
     </p:spTree>
     <p:extLst>
       <p:ext uri="{BB962C8B-B14F-4D97-AF65-F5344CB8AC3E}">

--- a/doc/図/図原本.pptx
+++ b/doc/図/図原本.pptx
@@ -21113,7 +21113,7 @@
         </p:blipFill>
         <p:spPr>
           <a:xfrm>
-            <a:off x="474231" y="3959434"/>
+            <a:off x="474231" y="4198275"/>
             <a:ext cx="3480503" cy="1152686"/>
           </a:xfrm>
           <a:prstGeom prst="rect">
@@ -21183,7 +21183,7 @@
         </p:blipFill>
         <p:spPr>
           <a:xfrm>
-            <a:off x="474233" y="409568"/>
+            <a:off x="474231" y="466652"/>
             <a:ext cx="3480503" cy="1135444"/>
           </a:xfrm>
           <a:prstGeom prst="rect">
@@ -21228,10 +21228,10 @@
       </p:pic>
       <p:pic>
         <p:nvPicPr>
-          <p:cNvPr id="13" name="図 12">
-            <a:extLst>
-              <a:ext uri="{FF2B5EF4-FFF2-40B4-BE49-F238E27FC236}">
-                <a16:creationId xmlns:a16="http://schemas.microsoft.com/office/drawing/2014/main" id="{F578F222-1019-4727-99C6-8C6B85A91974}"/>
+          <p:cNvPr id="17" name="図 16" descr="食品 が含まれている画像&#10;&#10;自動的に生成された説明">
+            <a:extLst>
+              <a:ext uri="{FF2B5EF4-FFF2-40B4-BE49-F238E27FC236}">
+                <a16:creationId xmlns:a16="http://schemas.microsoft.com/office/drawing/2014/main" id="{306F3FA8-E9BA-4ACA-8DFD-2FAF218FA85A}"/>
               </a:ext>
             </a:extLst>
           </p:cNvPr>
@@ -21240,7 +21240,7 @@
           </p:cNvPicPr>
           <p:nvPr/>
         </p:nvPicPr>
-        <p:blipFill>
+        <p:blipFill rotWithShape="1">
           <a:blip r:embed="rId11">
             <a:extLst>
               <a:ext uri="{28A0092B-C50C-407E-A947-70E740481C1C}">
@@ -21248,20 +21248,141 @@
               </a:ext>
             </a:extLst>
           </a:blip>
-          <a:stretch>
-            <a:fillRect/>
-          </a:stretch>
+          <a:srcRect l="6151" t="-846" r="3860" b="846"/>
+          <a:stretch/>
         </p:blipFill>
         <p:spPr>
           <a:xfrm>
-            <a:off x="5176709" y="2952683"/>
-            <a:ext cx="1838582" cy="952633"/>
+            <a:off x="474231" y="2818460"/>
+            <a:ext cx="3480503" cy="1352739"/>
           </a:xfrm>
           <a:prstGeom prst="rect">
             <a:avLst/>
           </a:prstGeom>
         </p:spPr>
       </p:pic>
+      <p:sp>
+        <p:nvSpPr>
+          <p:cNvPr id="32" name="テキスト ボックス 31">
+            <a:extLst>
+              <a:ext uri="{FF2B5EF4-FFF2-40B4-BE49-F238E27FC236}">
+                <a16:creationId xmlns:a16="http://schemas.microsoft.com/office/drawing/2014/main" id="{70DAB0A2-9640-489C-842E-4564208EC39A}"/>
+              </a:ext>
+            </a:extLst>
+          </p:cNvPr>
+          <p:cNvSpPr txBox="1"/>
+          <p:nvPr/>
+        </p:nvSpPr>
+        <p:spPr>
+          <a:xfrm>
+            <a:off x="1482188" y="607958"/>
+            <a:ext cx="418455" cy="369332"/>
+          </a:xfrm>
+          <a:prstGeom prst="rect">
+            <a:avLst/>
+          </a:prstGeom>
+          <a:noFill/>
+        </p:spPr>
+        <p:txBody>
+          <a:bodyPr wrap="square" rtlCol="0">
+            <a:spAutoFit/>
+          </a:bodyPr>
+          <a:lstStyle/>
+          <a:p>
+            <a:r>
+              <a:rPr kumimoji="1" lang="ja-JP" altLang="en-US" b="1" dirty="0">
+                <a:solidFill>
+                  <a:srgbClr val="FFC000"/>
+                </a:solidFill>
+              </a:rPr>
+              <a:t>①</a:t>
+            </a:r>
+          </a:p>
+        </p:txBody>
+      </p:sp>
+      <p:sp>
+        <p:nvSpPr>
+          <p:cNvPr id="36" name="テキスト ボックス 35">
+            <a:extLst>
+              <a:ext uri="{FF2B5EF4-FFF2-40B4-BE49-F238E27FC236}">
+                <a16:creationId xmlns:a16="http://schemas.microsoft.com/office/drawing/2014/main" id="{9D28F9CB-6086-4F62-884E-5EB0E5EE6E3C}"/>
+              </a:ext>
+            </a:extLst>
+          </p:cNvPr>
+          <p:cNvSpPr txBox="1"/>
+          <p:nvPr/>
+        </p:nvSpPr>
+        <p:spPr>
+          <a:xfrm>
+            <a:off x="937591" y="1280148"/>
+            <a:ext cx="418455" cy="369332"/>
+          </a:xfrm>
+          <a:prstGeom prst="rect">
+            <a:avLst/>
+          </a:prstGeom>
+          <a:noFill/>
+        </p:spPr>
+        <p:txBody>
+          <a:bodyPr wrap="square" rtlCol="0">
+            <a:spAutoFit/>
+          </a:bodyPr>
+          <a:lstStyle/>
+          <a:p>
+            <a:r>
+              <a:rPr lang="ja-JP" altLang="en-US" b="1" dirty="0">
+                <a:solidFill>
+                  <a:srgbClr val="FFC000"/>
+                </a:solidFill>
+              </a:rPr>
+              <a:t>②</a:t>
+            </a:r>
+            <a:endParaRPr kumimoji="1" lang="ja-JP" altLang="en-US" b="1" dirty="0">
+              <a:solidFill>
+                <a:srgbClr val="FFC000"/>
+              </a:solidFill>
+            </a:endParaRPr>
+          </a:p>
+        </p:txBody>
+      </p:sp>
+      <p:sp>
+        <p:nvSpPr>
+          <p:cNvPr id="37" name="テキスト ボックス 36">
+            <a:extLst>
+              <a:ext uri="{FF2B5EF4-FFF2-40B4-BE49-F238E27FC236}">
+                <a16:creationId xmlns:a16="http://schemas.microsoft.com/office/drawing/2014/main" id="{5F50D40A-C62D-43B8-8F9C-049FA1E1FF2D}"/>
+              </a:ext>
+            </a:extLst>
+          </p:cNvPr>
+          <p:cNvSpPr txBox="1"/>
+          <p:nvPr/>
+        </p:nvSpPr>
+        <p:spPr>
+          <a:xfrm>
+            <a:off x="1819405" y="1216140"/>
+            <a:ext cx="418455" cy="369332"/>
+          </a:xfrm>
+          <a:prstGeom prst="rect">
+            <a:avLst/>
+          </a:prstGeom>
+          <a:noFill/>
+        </p:spPr>
+        <p:txBody>
+          <a:bodyPr wrap="square" rtlCol="0">
+            <a:spAutoFit/>
+          </a:bodyPr>
+          <a:lstStyle/>
+          <a:p>
+            <a:r>
+              <a:rPr kumimoji="1" lang="ja-JP" altLang="en-US" b="1" dirty="0">
+                <a:solidFill>
+                  <a:srgbClr val="FFC000"/>
+                </a:solidFill>
+              </a:rPr>
+              <a:t>③</a:t>
+            </a:r>
+          </a:p>
+        </p:txBody>
+      </p:sp>
     </p:spTree>
     <p:extLst>
       <p:ext uri="{BB962C8B-B14F-4D97-AF65-F5344CB8AC3E}">

--- a/doc/図/図原本.pptx
+++ b/doc/図/図原本.pptx
@@ -21113,7 +21113,7 @@
         </p:blipFill>
         <p:spPr>
           <a:xfrm>
-            <a:off x="474231" y="4198275"/>
+            <a:off x="474231" y="3959434"/>
             <a:ext cx="3480503" cy="1152686"/>
           </a:xfrm>
           <a:prstGeom prst="rect">
@@ -21183,7 +21183,7 @@
         </p:blipFill>
         <p:spPr>
           <a:xfrm>
-            <a:off x="474231" y="466652"/>
+            <a:off x="474233" y="409568"/>
             <a:ext cx="3480503" cy="1135444"/>
           </a:xfrm>
           <a:prstGeom prst="rect">
@@ -21228,10 +21228,10 @@
       </p:pic>
       <p:pic>
         <p:nvPicPr>
-          <p:cNvPr id="17" name="図 16" descr="食品 が含まれている画像&#10;&#10;自動的に生成された説明">
-            <a:extLst>
-              <a:ext uri="{FF2B5EF4-FFF2-40B4-BE49-F238E27FC236}">
-                <a16:creationId xmlns:a16="http://schemas.microsoft.com/office/drawing/2014/main" id="{306F3FA8-E9BA-4ACA-8DFD-2FAF218FA85A}"/>
+          <p:cNvPr id="13" name="図 12">
+            <a:extLst>
+              <a:ext uri="{FF2B5EF4-FFF2-40B4-BE49-F238E27FC236}">
+                <a16:creationId xmlns:a16="http://schemas.microsoft.com/office/drawing/2014/main" id="{F578F222-1019-4727-99C6-8C6B85A91974}"/>
               </a:ext>
             </a:extLst>
           </p:cNvPr>
@@ -21240,7 +21240,7 @@
           </p:cNvPicPr>
           <p:nvPr/>
         </p:nvPicPr>
-        <p:blipFill rotWithShape="1">
+        <p:blipFill>
           <a:blip r:embed="rId11">
             <a:extLst>
               <a:ext uri="{28A0092B-C50C-407E-A947-70E740481C1C}">
@@ -21248,141 +21248,20 @@
               </a:ext>
             </a:extLst>
           </a:blip>
-          <a:srcRect l="6151" t="-846" r="3860" b="846"/>
-          <a:stretch/>
+          <a:stretch>
+            <a:fillRect/>
+          </a:stretch>
         </p:blipFill>
         <p:spPr>
           <a:xfrm>
-            <a:off x="474231" y="2818460"/>
-            <a:ext cx="3480503" cy="1352739"/>
+            <a:off x="5176709" y="2952683"/>
+            <a:ext cx="1838582" cy="952633"/>
           </a:xfrm>
           <a:prstGeom prst="rect">
             <a:avLst/>
           </a:prstGeom>
         </p:spPr>
       </p:pic>
-      <p:sp>
-        <p:nvSpPr>
-          <p:cNvPr id="32" name="テキスト ボックス 31">
-            <a:extLst>
-              <a:ext uri="{FF2B5EF4-FFF2-40B4-BE49-F238E27FC236}">
-                <a16:creationId xmlns:a16="http://schemas.microsoft.com/office/drawing/2014/main" id="{70DAB0A2-9640-489C-842E-4564208EC39A}"/>
-              </a:ext>
-            </a:extLst>
-          </p:cNvPr>
-          <p:cNvSpPr txBox="1"/>
-          <p:nvPr/>
-        </p:nvSpPr>
-        <p:spPr>
-          <a:xfrm>
-            <a:off x="1482188" y="607958"/>
-            <a:ext cx="418455" cy="369332"/>
-          </a:xfrm>
-          <a:prstGeom prst="rect">
-            <a:avLst/>
-          </a:prstGeom>
-          <a:noFill/>
-        </p:spPr>
-        <p:txBody>
-          <a:bodyPr wrap="square" rtlCol="0">
-            <a:spAutoFit/>
-          </a:bodyPr>
-          <a:lstStyle/>
-          <a:p>
-            <a:r>
-              <a:rPr kumimoji="1" lang="ja-JP" altLang="en-US" b="1" dirty="0">
-                <a:solidFill>
-                  <a:srgbClr val="FFC000"/>
-                </a:solidFill>
-              </a:rPr>
-              <a:t>①</a:t>
-            </a:r>
-          </a:p>
-        </p:txBody>
-      </p:sp>
-      <p:sp>
-        <p:nvSpPr>
-          <p:cNvPr id="36" name="テキスト ボックス 35">
-            <a:extLst>
-              <a:ext uri="{FF2B5EF4-FFF2-40B4-BE49-F238E27FC236}">
-                <a16:creationId xmlns:a16="http://schemas.microsoft.com/office/drawing/2014/main" id="{9D28F9CB-6086-4F62-884E-5EB0E5EE6E3C}"/>
-              </a:ext>
-            </a:extLst>
-          </p:cNvPr>
-          <p:cNvSpPr txBox="1"/>
-          <p:nvPr/>
-        </p:nvSpPr>
-        <p:spPr>
-          <a:xfrm>
-            <a:off x="937591" y="1280148"/>
-            <a:ext cx="418455" cy="369332"/>
-          </a:xfrm>
-          <a:prstGeom prst="rect">
-            <a:avLst/>
-          </a:prstGeom>
-          <a:noFill/>
-        </p:spPr>
-        <p:txBody>
-          <a:bodyPr wrap="square" rtlCol="0">
-            <a:spAutoFit/>
-          </a:bodyPr>
-          <a:lstStyle/>
-          <a:p>
-            <a:r>
-              <a:rPr lang="ja-JP" altLang="en-US" b="1" dirty="0">
-                <a:solidFill>
-                  <a:srgbClr val="FFC000"/>
-                </a:solidFill>
-              </a:rPr>
-              <a:t>②</a:t>
-            </a:r>
-            <a:endParaRPr kumimoji="1" lang="ja-JP" altLang="en-US" b="1" dirty="0">
-              <a:solidFill>
-                <a:srgbClr val="FFC000"/>
-              </a:solidFill>
-            </a:endParaRPr>
-          </a:p>
-        </p:txBody>
-      </p:sp>
-      <p:sp>
-        <p:nvSpPr>
-          <p:cNvPr id="37" name="テキスト ボックス 36">
-            <a:extLst>
-              <a:ext uri="{FF2B5EF4-FFF2-40B4-BE49-F238E27FC236}">
-                <a16:creationId xmlns:a16="http://schemas.microsoft.com/office/drawing/2014/main" id="{5F50D40A-C62D-43B8-8F9C-049FA1E1FF2D}"/>
-              </a:ext>
-            </a:extLst>
-          </p:cNvPr>
-          <p:cNvSpPr txBox="1"/>
-          <p:nvPr/>
-        </p:nvSpPr>
-        <p:spPr>
-          <a:xfrm>
-            <a:off x="1819405" y="1216140"/>
-            <a:ext cx="418455" cy="369332"/>
-          </a:xfrm>
-          <a:prstGeom prst="rect">
-            <a:avLst/>
-          </a:prstGeom>
-          <a:noFill/>
-        </p:spPr>
-        <p:txBody>
-          <a:bodyPr wrap="square" rtlCol="0">
-            <a:spAutoFit/>
-          </a:bodyPr>
-          <a:lstStyle/>
-          <a:p>
-            <a:r>
-              <a:rPr kumimoji="1" lang="ja-JP" altLang="en-US" b="1" dirty="0">
-                <a:solidFill>
-                  <a:srgbClr val="FFC000"/>
-                </a:solidFill>
-              </a:rPr>
-              <a:t>③</a:t>
-            </a:r>
-          </a:p>
-        </p:txBody>
-      </p:sp>
     </p:spTree>
     <p:extLst>
       <p:ext uri="{BB962C8B-B14F-4D97-AF65-F5344CB8AC3E}">

--- a/doc/図/図原本.pptx
+++ b/doc/図/図原本.pptx
@@ -267,7 +267,7 @@
           <a:p>
             <a:fld id="{F4EEA445-7C2C-4FA7-A73A-E840CB576A00}" type="datetimeFigureOut">
               <a:rPr kumimoji="1" lang="ja-JP" altLang="en-US" smtClean="0"/>
-              <a:t>2020/2/17</a:t>
+              <a:t>2020/2/28</a:t>
             </a:fld>
             <a:endParaRPr kumimoji="1" lang="ja-JP" altLang="en-US"/>
           </a:p>
@@ -497,7 +497,7 @@
           <a:p>
             <a:fld id="{F4EEA445-7C2C-4FA7-A73A-E840CB576A00}" type="datetimeFigureOut">
               <a:rPr kumimoji="1" lang="ja-JP" altLang="en-US" smtClean="0"/>
-              <a:t>2020/2/17</a:t>
+              <a:t>2020/2/28</a:t>
             </a:fld>
             <a:endParaRPr kumimoji="1" lang="ja-JP" altLang="en-US"/>
           </a:p>
@@ -737,7 +737,7 @@
           <a:p>
             <a:fld id="{F4EEA445-7C2C-4FA7-A73A-E840CB576A00}" type="datetimeFigureOut">
               <a:rPr kumimoji="1" lang="ja-JP" altLang="en-US" smtClean="0"/>
-              <a:t>2020/2/17</a:t>
+              <a:t>2020/2/28</a:t>
             </a:fld>
             <a:endParaRPr kumimoji="1" lang="ja-JP" altLang="en-US"/>
           </a:p>
@@ -967,7 +967,7 @@
           <a:p>
             <a:fld id="{F4EEA445-7C2C-4FA7-A73A-E840CB576A00}" type="datetimeFigureOut">
               <a:rPr kumimoji="1" lang="ja-JP" altLang="en-US" smtClean="0"/>
-              <a:t>2020/2/17</a:t>
+              <a:t>2020/2/28</a:t>
             </a:fld>
             <a:endParaRPr kumimoji="1" lang="ja-JP" altLang="en-US"/>
           </a:p>
@@ -1242,7 +1242,7 @@
           <a:p>
             <a:fld id="{F4EEA445-7C2C-4FA7-A73A-E840CB576A00}" type="datetimeFigureOut">
               <a:rPr kumimoji="1" lang="ja-JP" altLang="en-US" smtClean="0"/>
-              <a:t>2020/2/17</a:t>
+              <a:t>2020/2/28</a:t>
             </a:fld>
             <a:endParaRPr kumimoji="1" lang="ja-JP" altLang="en-US"/>
           </a:p>
@@ -1571,7 +1571,7 @@
           <a:p>
             <a:fld id="{F4EEA445-7C2C-4FA7-A73A-E840CB576A00}" type="datetimeFigureOut">
               <a:rPr kumimoji="1" lang="ja-JP" altLang="en-US" smtClean="0"/>
-              <a:t>2020/2/17</a:t>
+              <a:t>2020/2/28</a:t>
             </a:fld>
             <a:endParaRPr kumimoji="1" lang="ja-JP" altLang="en-US"/>
           </a:p>
@@ -2047,7 +2047,7 @@
           <a:p>
             <a:fld id="{F4EEA445-7C2C-4FA7-A73A-E840CB576A00}" type="datetimeFigureOut">
               <a:rPr kumimoji="1" lang="ja-JP" altLang="en-US" smtClean="0"/>
-              <a:t>2020/2/17</a:t>
+              <a:t>2020/2/28</a:t>
             </a:fld>
             <a:endParaRPr kumimoji="1" lang="ja-JP" altLang="en-US"/>
           </a:p>
@@ -2188,7 +2188,7 @@
           <a:p>
             <a:fld id="{F4EEA445-7C2C-4FA7-A73A-E840CB576A00}" type="datetimeFigureOut">
               <a:rPr kumimoji="1" lang="ja-JP" altLang="en-US" smtClean="0"/>
-              <a:t>2020/2/17</a:t>
+              <a:t>2020/2/28</a:t>
             </a:fld>
             <a:endParaRPr kumimoji="1" lang="ja-JP" altLang="en-US"/>
           </a:p>
@@ -2301,7 +2301,7 @@
           <a:p>
             <a:fld id="{F4EEA445-7C2C-4FA7-A73A-E840CB576A00}" type="datetimeFigureOut">
               <a:rPr kumimoji="1" lang="ja-JP" altLang="en-US" smtClean="0"/>
-              <a:t>2020/2/17</a:t>
+              <a:t>2020/2/28</a:t>
             </a:fld>
             <a:endParaRPr kumimoji="1" lang="ja-JP" altLang="en-US"/>
           </a:p>
@@ -2644,7 +2644,7 @@
           <a:p>
             <a:fld id="{F4EEA445-7C2C-4FA7-A73A-E840CB576A00}" type="datetimeFigureOut">
               <a:rPr kumimoji="1" lang="ja-JP" altLang="en-US" smtClean="0"/>
-              <a:t>2020/2/17</a:t>
+              <a:t>2020/2/28</a:t>
             </a:fld>
             <a:endParaRPr kumimoji="1" lang="ja-JP" altLang="en-US"/>
           </a:p>
@@ -2932,7 +2932,7 @@
           <a:p>
             <a:fld id="{F4EEA445-7C2C-4FA7-A73A-E840CB576A00}" type="datetimeFigureOut">
               <a:rPr kumimoji="1" lang="ja-JP" altLang="en-US" smtClean="0"/>
-              <a:t>2020/2/17</a:t>
+              <a:t>2020/2/28</a:t>
             </a:fld>
             <a:endParaRPr kumimoji="1" lang="ja-JP" altLang="en-US"/>
           </a:p>
@@ -3205,7 +3205,7 @@
           <a:p>
             <a:fld id="{F4EEA445-7C2C-4FA7-A73A-E840CB576A00}" type="datetimeFigureOut">
               <a:rPr kumimoji="1" lang="ja-JP" altLang="en-US" smtClean="0"/>
-              <a:t>2020/2/17</a:t>
+              <a:t>2020/2/28</a:t>
             </a:fld>
             <a:endParaRPr kumimoji="1" lang="ja-JP" altLang="en-US"/>
           </a:p>
@@ -21383,6 +21383,41 @@
           </a:p>
         </p:txBody>
       </p:sp>
+      <p:pic>
+        <p:nvPicPr>
+          <p:cNvPr id="5" name="図 4" descr="挿絵 が含まれている画像&#10;&#10;自動的に生成された説明">
+            <a:extLst>
+              <a:ext uri="{FF2B5EF4-FFF2-40B4-BE49-F238E27FC236}">
+                <a16:creationId xmlns:a16="http://schemas.microsoft.com/office/drawing/2014/main" id="{03F6E10F-81C8-489F-8F8F-A77EAD6D351D}"/>
+              </a:ext>
+            </a:extLst>
+          </p:cNvPr>
+          <p:cNvPicPr>
+            <a:picLocks noChangeAspect="1"/>
+          </p:cNvPicPr>
+          <p:nvPr/>
+        </p:nvPicPr>
+        <p:blipFill rotWithShape="1">
+          <a:blip r:embed="rId12">
+            <a:extLst>
+              <a:ext uri="{28A0092B-C50C-407E-A947-70E740481C1C}">
+                <a14:useLocalDpi xmlns:a14="http://schemas.microsoft.com/office/drawing/2010/main" val="0"/>
+              </a:ext>
+            </a:extLst>
+          </a:blip>
+          <a:srcRect l="7505"/>
+          <a:stretch/>
+        </p:blipFill>
+        <p:spPr>
+          <a:xfrm>
+            <a:off x="474231" y="5400271"/>
+            <a:ext cx="3480503" cy="1162212"/>
+          </a:xfrm>
+          <a:prstGeom prst="rect">
+            <a:avLst/>
+          </a:prstGeom>
+        </p:spPr>
+      </p:pic>
     </p:spTree>
     <p:extLst>
       <p:ext uri="{BB962C8B-B14F-4D97-AF65-F5344CB8AC3E}">
